--- a/demos/guestbook/Kubernetes Demo.pptx
+++ b/demos/guestbook/Kubernetes Demo.pptx
@@ -114,6 +114,22 @@
       </a:defRPr>
     </a:lvl9pPr>
   </p:defaultTextStyle>
+  <p:extLst>
+    <p:ext uri="{EFAFB233-063F-42B5-8137-9DF3F51BA10A}">
+      <p15:sldGuideLst xmlns:p15="http://schemas.microsoft.com/office/powerpoint/2012/main">
+        <p15:guide id="1" orient="horz" pos="2160">
+          <p15:clr>
+            <a:srgbClr val="A4A3A4"/>
+          </p15:clr>
+        </p15:guide>
+        <p15:guide id="2" pos="2880">
+          <p15:clr>
+            <a:srgbClr val="A4A3A4"/>
+          </p15:clr>
+        </p15:guide>
+      </p15:sldGuideLst>
+    </p:ext>
+  </p:extLst>
 </p:presentation>
 </file>
 
@@ -199,7 +215,7 @@
           <a:p>
             <a:fld id="{F715EC78-7F0C-C34B-9C24-7E6812947A39}" type="datetimeFigureOut">
               <a:rPr lang="en-US" smtClean="0"/>
-              <a:t>4/19/18</a:t>
+              <a:t>5/16/20</a:t>
             </a:fld>
             <a:endParaRPr lang="es-ES"/>
           </a:p>
@@ -263,35 +279,35 @@
           <a:p>
             <a:pPr lvl="0"/>
             <a:r>
-              <a:rPr lang="en-US" smtClean="0"/>
+              <a:rPr lang="en-US"/>
               <a:t>Click to edit Master text styles</a:t>
             </a:r>
           </a:p>
           <a:p>
             <a:pPr lvl="1"/>
             <a:r>
-              <a:rPr lang="en-US" smtClean="0"/>
+              <a:rPr lang="en-US"/>
               <a:t>Second level</a:t>
             </a:r>
           </a:p>
           <a:p>
             <a:pPr lvl="2"/>
             <a:r>
-              <a:rPr lang="en-US" smtClean="0"/>
+              <a:rPr lang="en-US"/>
               <a:t>Third level</a:t>
             </a:r>
           </a:p>
           <a:p>
             <a:pPr lvl="3"/>
             <a:r>
-              <a:rPr lang="en-US" smtClean="0"/>
+              <a:rPr lang="en-US"/>
               <a:t>Fourth level</a:t>
             </a:r>
           </a:p>
           <a:p>
             <a:pPr lvl="4"/>
             <a:r>
-              <a:rPr lang="en-US" smtClean="0"/>
+              <a:rPr lang="en-US"/>
               <a:t>Fifth level</a:t>
             </a:r>
             <a:endParaRPr lang="es-ES"/>
@@ -467,6 +483,96 @@
 </p:notesMaster>
 </file>
 
+<file path=ppt/notesSlides/notesSlide1.xml><?xml version="1.0" encoding="utf-8"?>
+<p:notes xmlns:a="http://schemas.openxmlformats.org/drawingml/2006/main" xmlns:r="http://schemas.openxmlformats.org/officeDocument/2006/relationships" xmlns:p="http://schemas.openxmlformats.org/presentationml/2006/main">
+  <p:cSld>
+    <p:spTree>
+      <p:nvGrpSpPr>
+        <p:cNvPr id="1" name=""/>
+        <p:cNvGrpSpPr/>
+        <p:nvPr/>
+      </p:nvGrpSpPr>
+      <p:grpSpPr>
+        <a:xfrm>
+          <a:off x="0" y="0"/>
+          <a:ext cx="0" cy="0"/>
+          <a:chOff x="0" y="0"/>
+          <a:chExt cx="0" cy="0"/>
+        </a:xfrm>
+      </p:grpSpPr>
+      <p:sp>
+        <p:nvSpPr>
+          <p:cNvPr id="2" name="Slide Image Placeholder 1"/>
+          <p:cNvSpPr>
+            <a:spLocks noGrp="1" noRot="1" noChangeAspect="1"/>
+          </p:cNvSpPr>
+          <p:nvPr>
+            <p:ph type="sldImg"/>
+          </p:nvPr>
+        </p:nvSpPr>
+        <p:spPr/>
+      </p:sp>
+      <p:sp>
+        <p:nvSpPr>
+          <p:cNvPr id="3" name="Notes Placeholder 2"/>
+          <p:cNvSpPr>
+            <a:spLocks noGrp="1"/>
+          </p:cNvSpPr>
+          <p:nvPr>
+            <p:ph type="body" idx="1"/>
+          </p:nvPr>
+        </p:nvSpPr>
+        <p:spPr/>
+        <p:txBody>
+          <a:bodyPr/>
+          <a:lstStyle/>
+          <a:p>
+            <a:r>
+              <a:rPr lang="en-US" dirty="0">
+                <a:hlinkClick r:id="rId3"/>
+              </a:rPr>
+              <a:t>https://kubernetes.io/docs/tutorials/stateless-application/guestbook/</a:t>
+            </a:r>
+            <a:endParaRPr lang="en-US" dirty="0"/>
+          </a:p>
+        </p:txBody>
+      </p:sp>
+      <p:sp>
+        <p:nvSpPr>
+          <p:cNvPr id="4" name="Slide Number Placeholder 3"/>
+          <p:cNvSpPr>
+            <a:spLocks noGrp="1"/>
+          </p:cNvSpPr>
+          <p:nvPr>
+            <p:ph type="sldNum" sz="quarter" idx="5"/>
+          </p:nvPr>
+        </p:nvSpPr>
+        <p:spPr/>
+        <p:txBody>
+          <a:bodyPr/>
+          <a:lstStyle/>
+          <a:p>
+            <a:fld id="{78C3A030-F2FB-F243-8174-E9FC6DBDC2F9}" type="slidenum">
+              <a:rPr lang="es-ES" smtClean="0"/>
+              <a:t>1</a:t>
+            </a:fld>
+            <a:endParaRPr lang="es-ES"/>
+          </a:p>
+        </p:txBody>
+      </p:sp>
+    </p:spTree>
+    <p:extLst>
+      <p:ext uri="{BB962C8B-B14F-4D97-AF65-F5344CB8AC3E}">
+        <p14:creationId xmlns:p14="http://schemas.microsoft.com/office/powerpoint/2010/main" val="558406282"/>
+      </p:ext>
+    </p:extLst>
+  </p:cSld>
+  <p:clrMapOvr>
+    <a:masterClrMapping/>
+  </p:clrMapOvr>
+</p:notes>
+</file>
+
 <file path=ppt/slideLayouts/slideLayout1.xml><?xml version="1.0" encoding="utf-8"?>
 <p:sldLayout xmlns:a="http://schemas.openxmlformats.org/drawingml/2006/main" xmlns:r="http://schemas.openxmlformats.org/officeDocument/2006/relationships" xmlns:p="http://schemas.openxmlformats.org/presentationml/2006/main" type="title" preserve="1">
   <p:cSld name="Title Slide">
@@ -505,7 +611,7 @@
           <a:lstStyle/>
           <a:p>
             <a:r>
-              <a:rPr lang="en-US" smtClean="0"/>
+              <a:rPr lang="en-US"/>
               <a:t>Click to edit Master title style</a:t>
             </a:r>
             <a:endParaRPr lang="es-ES"/>
@@ -624,7 +730,7 @@
           </a:lstStyle>
           <a:p>
             <a:r>
-              <a:rPr lang="en-US" smtClean="0"/>
+              <a:rPr lang="en-US"/>
               <a:t>Click to edit Master subtitle style</a:t>
             </a:r>
             <a:endParaRPr lang="es-ES"/>
@@ -648,7 +754,7 @@
           <a:p>
             <a:fld id="{8B6F6F2C-E0AB-D546-B958-ACAE4B712F0D}" type="datetimeFigureOut">
               <a:rPr lang="en-US" smtClean="0"/>
-              <a:t>4/19/18</a:t>
+              <a:t>5/16/20</a:t>
             </a:fld>
             <a:endParaRPr lang="es-ES"/>
           </a:p>
@@ -742,7 +848,7 @@
           <a:lstStyle/>
           <a:p>
             <a:r>
-              <a:rPr lang="en-US" smtClean="0"/>
+              <a:rPr lang="en-US"/>
               <a:t>Click to edit Master title style</a:t>
             </a:r>
             <a:endParaRPr lang="es-ES"/>
@@ -766,35 +872,35 @@
           <a:p>
             <a:pPr lvl="0"/>
             <a:r>
-              <a:rPr lang="en-US" smtClean="0"/>
+              <a:rPr lang="en-US"/>
               <a:t>Click to edit Master text styles</a:t>
             </a:r>
           </a:p>
           <a:p>
             <a:pPr lvl="1"/>
             <a:r>
-              <a:rPr lang="en-US" smtClean="0"/>
+              <a:rPr lang="en-US"/>
               <a:t>Second level</a:t>
             </a:r>
           </a:p>
           <a:p>
             <a:pPr lvl="2"/>
             <a:r>
-              <a:rPr lang="en-US" smtClean="0"/>
+              <a:rPr lang="en-US"/>
               <a:t>Third level</a:t>
             </a:r>
           </a:p>
           <a:p>
             <a:pPr lvl="3"/>
             <a:r>
-              <a:rPr lang="en-US" smtClean="0"/>
+              <a:rPr lang="en-US"/>
               <a:t>Fourth level</a:t>
             </a:r>
           </a:p>
           <a:p>
             <a:pPr lvl="4"/>
             <a:r>
-              <a:rPr lang="en-US" smtClean="0"/>
+              <a:rPr lang="en-US"/>
               <a:t>Fifth level</a:t>
             </a:r>
             <a:endParaRPr lang="es-ES"/>
@@ -818,7 +924,7 @@
           <a:p>
             <a:fld id="{8B6F6F2C-E0AB-D546-B958-ACAE4B712F0D}" type="datetimeFigureOut">
               <a:rPr lang="en-US" smtClean="0"/>
-              <a:t>4/19/18</a:t>
+              <a:t>5/16/20</a:t>
             </a:fld>
             <a:endParaRPr lang="es-ES"/>
           </a:p>
@@ -917,7 +1023,7 @@
           <a:lstStyle/>
           <a:p>
             <a:r>
-              <a:rPr lang="en-US" smtClean="0"/>
+              <a:rPr lang="en-US"/>
               <a:t>Click to edit Master title style</a:t>
             </a:r>
             <a:endParaRPr lang="es-ES"/>
@@ -946,35 +1052,35 @@
           <a:p>
             <a:pPr lvl="0"/>
             <a:r>
-              <a:rPr lang="en-US" smtClean="0"/>
+              <a:rPr lang="en-US"/>
               <a:t>Click to edit Master text styles</a:t>
             </a:r>
           </a:p>
           <a:p>
             <a:pPr lvl="1"/>
             <a:r>
-              <a:rPr lang="en-US" smtClean="0"/>
+              <a:rPr lang="en-US"/>
               <a:t>Second level</a:t>
             </a:r>
           </a:p>
           <a:p>
             <a:pPr lvl="2"/>
             <a:r>
-              <a:rPr lang="en-US" smtClean="0"/>
+              <a:rPr lang="en-US"/>
               <a:t>Third level</a:t>
             </a:r>
           </a:p>
           <a:p>
             <a:pPr lvl="3"/>
             <a:r>
-              <a:rPr lang="en-US" smtClean="0"/>
+              <a:rPr lang="en-US"/>
               <a:t>Fourth level</a:t>
             </a:r>
           </a:p>
           <a:p>
             <a:pPr lvl="4"/>
             <a:r>
-              <a:rPr lang="en-US" smtClean="0"/>
+              <a:rPr lang="en-US"/>
               <a:t>Fifth level</a:t>
             </a:r>
             <a:endParaRPr lang="es-ES"/>
@@ -998,7 +1104,7 @@
           <a:p>
             <a:fld id="{8B6F6F2C-E0AB-D546-B958-ACAE4B712F0D}" type="datetimeFigureOut">
               <a:rPr lang="en-US" smtClean="0"/>
-              <a:t>4/19/18</a:t>
+              <a:t>5/16/20</a:t>
             </a:fld>
             <a:endParaRPr lang="es-ES"/>
           </a:p>
@@ -1092,7 +1198,7 @@
           <a:lstStyle/>
           <a:p>
             <a:r>
-              <a:rPr lang="en-US" smtClean="0"/>
+              <a:rPr lang="en-US"/>
               <a:t>Click to edit Master title style</a:t>
             </a:r>
             <a:endParaRPr lang="es-ES"/>
@@ -1116,35 +1222,35 @@
           <a:p>
             <a:pPr lvl="0"/>
             <a:r>
-              <a:rPr lang="en-US" smtClean="0"/>
+              <a:rPr lang="en-US"/>
               <a:t>Click to edit Master text styles</a:t>
             </a:r>
           </a:p>
           <a:p>
             <a:pPr lvl="1"/>
             <a:r>
-              <a:rPr lang="en-US" smtClean="0"/>
+              <a:rPr lang="en-US"/>
               <a:t>Second level</a:t>
             </a:r>
           </a:p>
           <a:p>
             <a:pPr lvl="2"/>
             <a:r>
-              <a:rPr lang="en-US" smtClean="0"/>
+              <a:rPr lang="en-US"/>
               <a:t>Third level</a:t>
             </a:r>
           </a:p>
           <a:p>
             <a:pPr lvl="3"/>
             <a:r>
-              <a:rPr lang="en-US" smtClean="0"/>
+              <a:rPr lang="en-US"/>
               <a:t>Fourth level</a:t>
             </a:r>
           </a:p>
           <a:p>
             <a:pPr lvl="4"/>
             <a:r>
-              <a:rPr lang="en-US" smtClean="0"/>
+              <a:rPr lang="en-US"/>
               <a:t>Fifth level</a:t>
             </a:r>
             <a:endParaRPr lang="es-ES"/>
@@ -1168,7 +1274,7 @@
           <a:p>
             <a:fld id="{8B6F6F2C-E0AB-D546-B958-ACAE4B712F0D}" type="datetimeFigureOut">
               <a:rPr lang="en-US" smtClean="0"/>
-              <a:t>4/19/18</a:t>
+              <a:t>5/16/20</a:t>
             </a:fld>
             <a:endParaRPr lang="es-ES"/>
           </a:p>
@@ -1271,7 +1377,7 @@
           </a:lstStyle>
           <a:p>
             <a:r>
-              <a:rPr lang="en-US" smtClean="0"/>
+              <a:rPr lang="en-US"/>
               <a:t>Click to edit Master title style</a:t>
             </a:r>
             <a:endParaRPr lang="es-ES"/>
@@ -1391,7 +1497,7 @@
           <a:p>
             <a:pPr lvl="0"/>
             <a:r>
-              <a:rPr lang="en-US" smtClean="0"/>
+              <a:rPr lang="en-US"/>
               <a:t>Click to edit Master text styles</a:t>
             </a:r>
           </a:p>
@@ -1414,7 +1520,7 @@
           <a:p>
             <a:fld id="{8B6F6F2C-E0AB-D546-B958-ACAE4B712F0D}" type="datetimeFigureOut">
               <a:rPr lang="en-US" smtClean="0"/>
-              <a:t>4/19/18</a:t>
+              <a:t>5/16/20</a:t>
             </a:fld>
             <a:endParaRPr lang="es-ES"/>
           </a:p>
@@ -1508,7 +1614,7 @@
           <a:lstStyle/>
           <a:p>
             <a:r>
-              <a:rPr lang="en-US" smtClean="0"/>
+              <a:rPr lang="en-US"/>
               <a:t>Click to edit Master title style</a:t>
             </a:r>
             <a:endParaRPr lang="es-ES"/>
@@ -1565,35 +1671,35 @@
           <a:p>
             <a:pPr lvl="0"/>
             <a:r>
-              <a:rPr lang="en-US" smtClean="0"/>
+              <a:rPr lang="en-US"/>
               <a:t>Click to edit Master text styles</a:t>
             </a:r>
           </a:p>
           <a:p>
             <a:pPr lvl="1"/>
             <a:r>
-              <a:rPr lang="en-US" smtClean="0"/>
+              <a:rPr lang="en-US"/>
               <a:t>Second level</a:t>
             </a:r>
           </a:p>
           <a:p>
             <a:pPr lvl="2"/>
             <a:r>
-              <a:rPr lang="en-US" smtClean="0"/>
+              <a:rPr lang="en-US"/>
               <a:t>Third level</a:t>
             </a:r>
           </a:p>
           <a:p>
             <a:pPr lvl="3"/>
             <a:r>
-              <a:rPr lang="en-US" smtClean="0"/>
+              <a:rPr lang="en-US"/>
               <a:t>Fourth level</a:t>
             </a:r>
           </a:p>
           <a:p>
             <a:pPr lvl="4"/>
             <a:r>
-              <a:rPr lang="en-US" smtClean="0"/>
+              <a:rPr lang="en-US"/>
               <a:t>Fifth level</a:t>
             </a:r>
             <a:endParaRPr lang="es-ES"/>
@@ -1650,35 +1756,35 @@
           <a:p>
             <a:pPr lvl="0"/>
             <a:r>
-              <a:rPr lang="en-US" smtClean="0"/>
+              <a:rPr lang="en-US"/>
               <a:t>Click to edit Master text styles</a:t>
             </a:r>
           </a:p>
           <a:p>
             <a:pPr lvl="1"/>
             <a:r>
-              <a:rPr lang="en-US" smtClean="0"/>
+              <a:rPr lang="en-US"/>
               <a:t>Second level</a:t>
             </a:r>
           </a:p>
           <a:p>
             <a:pPr lvl="2"/>
             <a:r>
-              <a:rPr lang="en-US" smtClean="0"/>
+              <a:rPr lang="en-US"/>
               <a:t>Third level</a:t>
             </a:r>
           </a:p>
           <a:p>
             <a:pPr lvl="3"/>
             <a:r>
-              <a:rPr lang="en-US" smtClean="0"/>
+              <a:rPr lang="en-US"/>
               <a:t>Fourth level</a:t>
             </a:r>
           </a:p>
           <a:p>
             <a:pPr lvl="4"/>
             <a:r>
-              <a:rPr lang="en-US" smtClean="0"/>
+              <a:rPr lang="en-US"/>
               <a:t>Fifth level</a:t>
             </a:r>
             <a:endParaRPr lang="es-ES"/>
@@ -1702,7 +1808,7 @@
           <a:p>
             <a:fld id="{8B6F6F2C-E0AB-D546-B958-ACAE4B712F0D}" type="datetimeFigureOut">
               <a:rPr lang="en-US" smtClean="0"/>
-              <a:t>4/19/18</a:t>
+              <a:t>5/16/20</a:t>
             </a:fld>
             <a:endParaRPr lang="es-ES"/>
           </a:p>
@@ -1800,7 +1906,7 @@
           </a:lstStyle>
           <a:p>
             <a:r>
-              <a:rPr lang="en-US" smtClean="0"/>
+              <a:rPr lang="en-US"/>
               <a:t>Click to edit Master title style</a:t>
             </a:r>
             <a:endParaRPr lang="es-ES"/>
@@ -1866,7 +1972,7 @@
           <a:p>
             <a:pPr lvl="0"/>
             <a:r>
-              <a:rPr lang="en-US" smtClean="0"/>
+              <a:rPr lang="en-US"/>
               <a:t>Click to edit Master text styles</a:t>
             </a:r>
           </a:p>
@@ -1922,35 +2028,35 @@
           <a:p>
             <a:pPr lvl="0"/>
             <a:r>
-              <a:rPr lang="en-US" smtClean="0"/>
+              <a:rPr lang="en-US"/>
               <a:t>Click to edit Master text styles</a:t>
             </a:r>
           </a:p>
           <a:p>
             <a:pPr lvl="1"/>
             <a:r>
-              <a:rPr lang="en-US" smtClean="0"/>
+              <a:rPr lang="en-US"/>
               <a:t>Second level</a:t>
             </a:r>
           </a:p>
           <a:p>
             <a:pPr lvl="2"/>
             <a:r>
-              <a:rPr lang="en-US" smtClean="0"/>
+              <a:rPr lang="en-US"/>
               <a:t>Third level</a:t>
             </a:r>
           </a:p>
           <a:p>
             <a:pPr lvl="3"/>
             <a:r>
-              <a:rPr lang="en-US" smtClean="0"/>
+              <a:rPr lang="en-US"/>
               <a:t>Fourth level</a:t>
             </a:r>
           </a:p>
           <a:p>
             <a:pPr lvl="4"/>
             <a:r>
-              <a:rPr lang="en-US" smtClean="0"/>
+              <a:rPr lang="en-US"/>
               <a:t>Fifth level</a:t>
             </a:r>
             <a:endParaRPr lang="es-ES"/>
@@ -2016,7 +2122,7 @@
           <a:p>
             <a:pPr lvl="0"/>
             <a:r>
-              <a:rPr lang="en-US" smtClean="0"/>
+              <a:rPr lang="en-US"/>
               <a:t>Click to edit Master text styles</a:t>
             </a:r>
           </a:p>
@@ -2072,35 +2178,35 @@
           <a:p>
             <a:pPr lvl="0"/>
             <a:r>
-              <a:rPr lang="en-US" smtClean="0"/>
+              <a:rPr lang="en-US"/>
               <a:t>Click to edit Master text styles</a:t>
             </a:r>
           </a:p>
           <a:p>
             <a:pPr lvl="1"/>
             <a:r>
-              <a:rPr lang="en-US" smtClean="0"/>
+              <a:rPr lang="en-US"/>
               <a:t>Second level</a:t>
             </a:r>
           </a:p>
           <a:p>
             <a:pPr lvl="2"/>
             <a:r>
-              <a:rPr lang="en-US" smtClean="0"/>
+              <a:rPr lang="en-US"/>
               <a:t>Third level</a:t>
             </a:r>
           </a:p>
           <a:p>
             <a:pPr lvl="3"/>
             <a:r>
-              <a:rPr lang="en-US" smtClean="0"/>
+              <a:rPr lang="en-US"/>
               <a:t>Fourth level</a:t>
             </a:r>
           </a:p>
           <a:p>
             <a:pPr lvl="4"/>
             <a:r>
-              <a:rPr lang="en-US" smtClean="0"/>
+              <a:rPr lang="en-US"/>
               <a:t>Fifth level</a:t>
             </a:r>
             <a:endParaRPr lang="es-ES"/>
@@ -2124,7 +2230,7 @@
           <a:p>
             <a:fld id="{8B6F6F2C-E0AB-D546-B958-ACAE4B712F0D}" type="datetimeFigureOut">
               <a:rPr lang="en-US" smtClean="0"/>
-              <a:t>4/19/18</a:t>
+              <a:t>5/16/20</a:t>
             </a:fld>
             <a:endParaRPr lang="es-ES"/>
           </a:p>
@@ -2218,7 +2324,7 @@
           <a:lstStyle/>
           <a:p>
             <a:r>
-              <a:rPr lang="en-US" smtClean="0"/>
+              <a:rPr lang="en-US"/>
               <a:t>Click to edit Master title style</a:t>
             </a:r>
             <a:endParaRPr lang="es-ES"/>
@@ -2242,7 +2348,7 @@
           <a:p>
             <a:fld id="{8B6F6F2C-E0AB-D546-B958-ACAE4B712F0D}" type="datetimeFigureOut">
               <a:rPr lang="en-US" smtClean="0"/>
-              <a:t>4/19/18</a:t>
+              <a:t>5/16/20</a:t>
             </a:fld>
             <a:endParaRPr lang="es-ES"/>
           </a:p>
@@ -2337,7 +2443,7 @@
           <a:p>
             <a:fld id="{8B6F6F2C-E0AB-D546-B958-ACAE4B712F0D}" type="datetimeFigureOut">
               <a:rPr lang="en-US" smtClean="0"/>
-              <a:t>4/19/18</a:t>
+              <a:t>5/16/20</a:t>
             </a:fld>
             <a:endParaRPr lang="es-ES"/>
           </a:p>
@@ -2440,7 +2546,7 @@
           </a:lstStyle>
           <a:p>
             <a:r>
-              <a:rPr lang="en-US" smtClean="0"/>
+              <a:rPr lang="en-US"/>
               <a:t>Click to edit Master title style</a:t>
             </a:r>
             <a:endParaRPr lang="es-ES"/>
@@ -2497,35 +2603,35 @@
           <a:p>
             <a:pPr lvl="0"/>
             <a:r>
-              <a:rPr lang="en-US" smtClean="0"/>
+              <a:rPr lang="en-US"/>
               <a:t>Click to edit Master text styles</a:t>
             </a:r>
           </a:p>
           <a:p>
             <a:pPr lvl="1"/>
             <a:r>
-              <a:rPr lang="en-US" smtClean="0"/>
+              <a:rPr lang="en-US"/>
               <a:t>Second level</a:t>
             </a:r>
           </a:p>
           <a:p>
             <a:pPr lvl="2"/>
             <a:r>
-              <a:rPr lang="en-US" smtClean="0"/>
+              <a:rPr lang="en-US"/>
               <a:t>Third level</a:t>
             </a:r>
           </a:p>
           <a:p>
             <a:pPr lvl="3"/>
             <a:r>
-              <a:rPr lang="en-US" smtClean="0"/>
+              <a:rPr lang="en-US"/>
               <a:t>Fourth level</a:t>
             </a:r>
           </a:p>
           <a:p>
             <a:pPr lvl="4"/>
             <a:r>
-              <a:rPr lang="en-US" smtClean="0"/>
+              <a:rPr lang="en-US"/>
               <a:t>Fifth level</a:t>
             </a:r>
             <a:endParaRPr lang="es-ES"/>
@@ -2591,7 +2697,7 @@
           <a:p>
             <a:pPr lvl="0"/>
             <a:r>
-              <a:rPr lang="en-US" smtClean="0"/>
+              <a:rPr lang="en-US"/>
               <a:t>Click to edit Master text styles</a:t>
             </a:r>
           </a:p>
@@ -2614,7 +2720,7 @@
           <a:p>
             <a:fld id="{8B6F6F2C-E0AB-D546-B958-ACAE4B712F0D}" type="datetimeFigureOut">
               <a:rPr lang="en-US" smtClean="0"/>
-              <a:t>4/19/18</a:t>
+              <a:t>5/16/20</a:t>
             </a:fld>
             <a:endParaRPr lang="es-ES"/>
           </a:p>
@@ -2717,7 +2823,7 @@
           </a:lstStyle>
           <a:p>
             <a:r>
-              <a:rPr lang="en-US" smtClean="0"/>
+              <a:rPr lang="en-US"/>
               <a:t>Click to edit Master title style</a:t>
             </a:r>
             <a:endParaRPr lang="es-ES"/>
@@ -2844,7 +2950,7 @@
           <a:p>
             <a:pPr lvl="0"/>
             <a:r>
-              <a:rPr lang="en-US" smtClean="0"/>
+              <a:rPr lang="en-US"/>
               <a:t>Click to edit Master text styles</a:t>
             </a:r>
           </a:p>
@@ -2867,7 +2973,7 @@
           <a:p>
             <a:fld id="{8B6F6F2C-E0AB-D546-B958-ACAE4B712F0D}" type="datetimeFigureOut">
               <a:rPr lang="en-US" smtClean="0"/>
-              <a:t>4/19/18</a:t>
+              <a:t>5/16/20</a:t>
             </a:fld>
             <a:endParaRPr lang="es-ES"/>
           </a:p>
@@ -2976,7 +3082,7 @@
           <a:lstStyle/>
           <a:p>
             <a:r>
-              <a:rPr lang="en-US" smtClean="0"/>
+              <a:rPr lang="en-US"/>
               <a:t>Click to edit Master title style</a:t>
             </a:r>
             <a:endParaRPr lang="es-ES"/>
@@ -3010,35 +3116,35 @@
           <a:p>
             <a:pPr lvl="0"/>
             <a:r>
-              <a:rPr lang="en-US" smtClean="0"/>
+              <a:rPr lang="en-US"/>
               <a:t>Click to edit Master text styles</a:t>
             </a:r>
           </a:p>
           <a:p>
             <a:pPr lvl="1"/>
             <a:r>
-              <a:rPr lang="en-US" smtClean="0"/>
+              <a:rPr lang="en-US"/>
               <a:t>Second level</a:t>
             </a:r>
           </a:p>
           <a:p>
             <a:pPr lvl="2"/>
             <a:r>
-              <a:rPr lang="en-US" smtClean="0"/>
+              <a:rPr lang="en-US"/>
               <a:t>Third level</a:t>
             </a:r>
           </a:p>
           <a:p>
             <a:pPr lvl="3"/>
             <a:r>
-              <a:rPr lang="en-US" smtClean="0"/>
+              <a:rPr lang="en-US"/>
               <a:t>Fourth level</a:t>
             </a:r>
           </a:p>
           <a:p>
             <a:pPr lvl="4"/>
             <a:r>
-              <a:rPr lang="en-US" smtClean="0"/>
+              <a:rPr lang="en-US"/>
               <a:t>Fifth level</a:t>
             </a:r>
             <a:endParaRPr lang="es-ES"/>
@@ -3080,7 +3186,7 @@
           <a:p>
             <a:fld id="{8B6F6F2C-E0AB-D546-B958-ACAE4B712F0D}" type="datetimeFigureOut">
               <a:rPr lang="en-US" smtClean="0"/>
-              <a:t>4/19/18</a:t>
+              <a:t>5/16/20</a:t>
             </a:fld>
             <a:endParaRPr lang="es-ES"/>
           </a:p>
@@ -3479,14 +3585,13 @@
           <a:p>
             <a:pPr algn="l"/>
             <a:r>
-              <a:rPr lang="es-ES" sz="7200" dirty="0" err="1" smtClean="0"/>
+              <a:rPr lang="es-ES" sz="7200" dirty="0" err="1"/>
               <a:t>Kubernetes</a:t>
             </a:r>
             <a:r>
-              <a:rPr lang="es-ES" sz="7200" dirty="0" smtClean="0"/>
+              <a:rPr lang="es-ES" sz="7200" dirty="0"/>
               <a:t> Demo</a:t>
             </a:r>
-            <a:endParaRPr lang="es-ES" sz="7200" dirty="0"/>
           </a:p>
         </p:txBody>
       </p:sp>
@@ -3499,7 +3604,7 @@
           <p:nvPr/>
         </p:nvPicPr>
         <p:blipFill>
-          <a:blip r:embed="rId2">
+          <a:blip r:embed="rId3">
             <a:extLst>
               <a:ext uri="{28A0092B-C50C-407E-A947-70E740481C1C}">
                 <a14:useLocalDpi xmlns:a14="http://schemas.microsoft.com/office/drawing/2010/main" val="0"/>
@@ -3530,13 +3635,6 @@
   <p:clrMapOvr>
     <a:masterClrMapping/>
   </p:clrMapOvr>
-  <p:timing>
-    <p:tnLst>
-      <p:par>
-        <p:cTn xmlns:p14="http://schemas.microsoft.com/office/powerpoint/2010/main" id="1" dur="indefinite" restart="never" nodeType="tmRoot"/>
-      </p:par>
-    </p:tnLst>
-  </p:timing>
 </p:sld>
 </file>
 
@@ -3573,7 +3671,7 @@
           <a:lstStyle/>
           <a:p>
             <a:r>
-              <a:rPr lang="es-ES" dirty="0" err="1" smtClean="0"/>
+              <a:rPr lang="es-ES" dirty="0" err="1"/>
               <a:t>GuestBook</a:t>
             </a:r>
             <a:endParaRPr lang="es-ES" dirty="0"/>
@@ -3626,7 +3724,7 @@
           <a:p>
             <a:pPr algn="ctr"/>
             <a:r>
-              <a:rPr lang="es-ES" dirty="0" err="1" smtClean="0">
+              <a:rPr lang="es-ES" dirty="0" err="1">
                 <a:solidFill>
                   <a:schemeClr val="tx1"/>
                 </a:solidFill>
@@ -3634,18 +3732,13 @@
               <a:t>Redis</a:t>
             </a:r>
             <a:r>
-              <a:rPr lang="es-ES" dirty="0" smtClean="0">
+              <a:rPr lang="es-ES" dirty="0">
                 <a:solidFill>
                   <a:schemeClr val="tx1"/>
                 </a:solidFill>
               </a:rPr>
               <a:t> Master</a:t>
             </a:r>
-            <a:endParaRPr lang="es-ES" dirty="0">
-              <a:solidFill>
-                <a:schemeClr val="tx1"/>
-              </a:solidFill>
-            </a:endParaRPr>
           </a:p>
         </p:txBody>
       </p:sp>
@@ -3852,42 +3945,37 @@
           <a:p>
             <a:pPr algn="ctr"/>
             <a:r>
-              <a:rPr lang="es-ES" sz="2000" dirty="0" err="1" smtClean="0">
+              <a:rPr lang="es-ES" sz="2000" dirty="0" err="1">
                 <a:solidFill>
                   <a:schemeClr val="tx1"/>
                 </a:solidFill>
               </a:rPr>
               <a:t>Guestbook</a:t>
-            </a:r>
-            <a:endParaRPr lang="es-ES" sz="2000" dirty="0" smtClean="0">
-              <a:solidFill>
-                <a:schemeClr val="tx1"/>
-              </a:solidFill>
-            </a:endParaRPr>
-          </a:p>
-          <a:p>
-            <a:pPr algn="ctr"/>
-            <a:r>
-              <a:rPr lang="es-ES" sz="2000" dirty="0" err="1" smtClean="0">
-                <a:solidFill>
-                  <a:schemeClr val="tx1"/>
-                </a:solidFill>
-              </a:rPr>
-              <a:t>Frontend</a:t>
-            </a:r>
-            <a:r>
-              <a:rPr lang="es-ES" sz="2000" dirty="0" smtClean="0">
-                <a:solidFill>
-                  <a:schemeClr val="tx1"/>
-                </a:solidFill>
-              </a:rPr>
-              <a:t> App</a:t>
             </a:r>
             <a:endParaRPr lang="es-ES" sz="2000" dirty="0">
               <a:solidFill>
                 <a:schemeClr val="tx1"/>
               </a:solidFill>
             </a:endParaRPr>
+          </a:p>
+          <a:p>
+            <a:pPr algn="ctr"/>
+            <a:r>
+              <a:rPr lang="es-ES" sz="2000" dirty="0" err="1">
+                <a:solidFill>
+                  <a:schemeClr val="tx1"/>
+                </a:solidFill>
+              </a:rPr>
+              <a:t>Frontend</a:t>
+            </a:r>
+            <a:r>
+              <a:rPr lang="es-ES" sz="2000" dirty="0">
+                <a:solidFill>
+                  <a:schemeClr val="tx1"/>
+                </a:solidFill>
+              </a:rPr>
+              <a:t> App</a:t>
+            </a:r>
           </a:p>
         </p:txBody>
       </p:sp>
@@ -3939,7 +4027,7 @@
           <a:p>
             <a:pPr algn="ctr"/>
             <a:r>
-              <a:rPr lang="es-ES" dirty="0" err="1" smtClean="0">
+              <a:rPr lang="es-ES" dirty="0" err="1">
                 <a:solidFill>
                   <a:schemeClr val="tx1"/>
                 </a:solidFill>
@@ -3947,7 +4035,7 @@
               <a:t>Redis</a:t>
             </a:r>
             <a:r>
-              <a:rPr lang="es-ES" dirty="0" smtClean="0">
+              <a:rPr lang="es-ES" dirty="0">
                 <a:solidFill>
                   <a:schemeClr val="tx1"/>
                 </a:solidFill>
@@ -3955,25 +4043,20 @@
               <a:t> </a:t>
             </a:r>
             <a:br>
-              <a:rPr lang="es-ES" dirty="0" smtClean="0">
+              <a:rPr lang="es-ES" dirty="0">
                 <a:solidFill>
                   <a:schemeClr val="tx1"/>
                 </a:solidFill>
               </a:rPr>
             </a:br>
             <a:r>
-              <a:rPr lang="es-ES" dirty="0" smtClean="0">
+              <a:rPr lang="es-ES" dirty="0">
                 <a:solidFill>
                   <a:schemeClr val="tx1"/>
                 </a:solidFill>
               </a:rPr>
               <a:t>Slave</a:t>
             </a:r>
-            <a:endParaRPr lang="es-ES" dirty="0">
-              <a:solidFill>
-                <a:schemeClr val="tx1"/>
-              </a:solidFill>
-            </a:endParaRPr>
           </a:p>
         </p:txBody>
       </p:sp>
@@ -4075,7 +4158,7 @@
           <a:p>
             <a:pPr algn="ctr"/>
             <a:r>
-              <a:rPr lang="es-ES" dirty="0" err="1" smtClean="0"/>
+              <a:rPr lang="es-ES" dirty="0" err="1"/>
               <a:t>Reads</a:t>
             </a:r>
             <a:endParaRPr lang="es-ES" dirty="0"/>
@@ -4106,7 +4189,7 @@
           <a:p>
             <a:pPr algn="ctr"/>
             <a:r>
-              <a:rPr lang="es-ES" dirty="0" err="1" smtClean="0"/>
+              <a:rPr lang="es-ES" dirty="0" err="1"/>
               <a:t>Writes</a:t>
             </a:r>
             <a:endParaRPr lang="es-ES" dirty="0"/>
@@ -4137,7 +4220,7 @@
           <a:p>
             <a:pPr algn="ctr"/>
             <a:r>
-              <a:rPr lang="es-ES" dirty="0" err="1" smtClean="0"/>
+              <a:rPr lang="es-ES" dirty="0" err="1"/>
               <a:t>Sync</a:t>
             </a:r>
             <a:endParaRPr lang="es-ES" dirty="0"/>
@@ -4191,13 +4274,6 @@
   <p:clrMapOvr>
     <a:masterClrMapping/>
   </p:clrMapOvr>
-  <p:timing>
-    <p:tnLst>
-      <p:par>
-        <p:cTn xmlns:p14="http://schemas.microsoft.com/office/powerpoint/2010/main" id="1" dur="indefinite" restart="never" nodeType="tmRoot"/>
-      </p:par>
-    </p:tnLst>
-  </p:timing>
 </p:sld>
 </file>
 
@@ -4234,11 +4310,11 @@
           <a:lstStyle/>
           <a:p>
             <a:r>
-              <a:rPr lang="es-ES" dirty="0" smtClean="0"/>
+              <a:rPr lang="es-ES" dirty="0"/>
               <a:t>1 </a:t>
             </a:r>
             <a:r>
-              <a:rPr lang="es-ES" dirty="0" err="1" smtClean="0"/>
+              <a:rPr lang="es-ES" dirty="0" err="1"/>
               <a:t>Pod</a:t>
             </a:r>
             <a:endParaRPr lang="es-ES" dirty="0"/>
@@ -4291,42 +4367,37 @@
           <a:p>
             <a:pPr algn="ctr"/>
             <a:r>
-              <a:rPr lang="es-ES" sz="2000" dirty="0" err="1" smtClean="0">
+              <a:rPr lang="es-ES" sz="2000" dirty="0" err="1">
                 <a:solidFill>
                   <a:schemeClr val="tx1"/>
                 </a:solidFill>
               </a:rPr>
               <a:t>Guestbook</a:t>
-            </a:r>
-            <a:endParaRPr lang="es-ES" sz="2000" dirty="0" smtClean="0">
-              <a:solidFill>
-                <a:schemeClr val="tx1"/>
-              </a:solidFill>
-            </a:endParaRPr>
-          </a:p>
-          <a:p>
-            <a:pPr algn="ctr"/>
-            <a:r>
-              <a:rPr lang="es-ES" sz="2000" dirty="0" err="1" smtClean="0">
-                <a:solidFill>
-                  <a:schemeClr val="tx1"/>
-                </a:solidFill>
-              </a:rPr>
-              <a:t>Frontend</a:t>
-            </a:r>
-            <a:r>
-              <a:rPr lang="es-ES" sz="2000" dirty="0" smtClean="0">
-                <a:solidFill>
-                  <a:schemeClr val="tx1"/>
-                </a:solidFill>
-              </a:rPr>
-              <a:t> App</a:t>
             </a:r>
             <a:endParaRPr lang="es-ES" sz="2000" dirty="0">
               <a:solidFill>
                 <a:schemeClr val="tx1"/>
               </a:solidFill>
             </a:endParaRPr>
+          </a:p>
+          <a:p>
+            <a:pPr algn="ctr"/>
+            <a:r>
+              <a:rPr lang="es-ES" sz="2000" dirty="0" err="1">
+                <a:solidFill>
+                  <a:schemeClr val="tx1"/>
+                </a:solidFill>
+              </a:rPr>
+              <a:t>Frontend</a:t>
+            </a:r>
+            <a:r>
+              <a:rPr lang="es-ES" sz="2000" dirty="0">
+                <a:solidFill>
+                  <a:schemeClr val="tx1"/>
+                </a:solidFill>
+              </a:rPr>
+              <a:t> App</a:t>
+            </a:r>
           </a:p>
         </p:txBody>
       </p:sp>
@@ -4340,13 +4411,6 @@
   <p:clrMapOvr>
     <a:masterClrMapping/>
   </p:clrMapOvr>
-  <p:timing>
-    <p:tnLst>
-      <p:par>
-        <p:cTn xmlns:p14="http://schemas.microsoft.com/office/powerpoint/2010/main" id="1" dur="indefinite" restart="never" nodeType="tmRoot"/>
-      </p:par>
-    </p:tnLst>
-  </p:timing>
 </p:sld>
 </file>
 
@@ -4383,10 +4447,9 @@
           <a:lstStyle/>
           <a:p>
             <a:r>
-              <a:rPr lang="es-ES" dirty="0" smtClean="0"/>
+              <a:rPr lang="es-ES" dirty="0"/>
               <a:t>3 Replicas</a:t>
             </a:r>
-            <a:endParaRPr lang="es-ES" dirty="0"/>
           </a:p>
         </p:txBody>
       </p:sp>
@@ -4542,42 +4605,37 @@
           <a:p>
             <a:pPr algn="ctr"/>
             <a:r>
-              <a:rPr lang="es-ES" sz="2000" dirty="0" err="1" smtClean="0">
+              <a:rPr lang="es-ES" sz="2000" dirty="0" err="1">
                 <a:solidFill>
                   <a:schemeClr val="tx1"/>
                 </a:solidFill>
               </a:rPr>
               <a:t>Guestbook</a:t>
-            </a:r>
-            <a:endParaRPr lang="es-ES" sz="2000" dirty="0" smtClean="0">
-              <a:solidFill>
-                <a:schemeClr val="tx1"/>
-              </a:solidFill>
-            </a:endParaRPr>
-          </a:p>
-          <a:p>
-            <a:pPr algn="ctr"/>
-            <a:r>
-              <a:rPr lang="es-ES" sz="2000" dirty="0" err="1" smtClean="0">
-                <a:solidFill>
-                  <a:schemeClr val="tx1"/>
-                </a:solidFill>
-              </a:rPr>
-              <a:t>Frontend</a:t>
-            </a:r>
-            <a:r>
-              <a:rPr lang="es-ES" sz="2000" dirty="0" smtClean="0">
-                <a:solidFill>
-                  <a:schemeClr val="tx1"/>
-                </a:solidFill>
-              </a:rPr>
-              <a:t> App</a:t>
             </a:r>
             <a:endParaRPr lang="es-ES" sz="2000" dirty="0">
               <a:solidFill>
                 <a:schemeClr val="tx1"/>
               </a:solidFill>
             </a:endParaRPr>
+          </a:p>
+          <a:p>
+            <a:pPr algn="ctr"/>
+            <a:r>
+              <a:rPr lang="es-ES" sz="2000" dirty="0" err="1">
+                <a:solidFill>
+                  <a:schemeClr val="tx1"/>
+                </a:solidFill>
+              </a:rPr>
+              <a:t>Frontend</a:t>
+            </a:r>
+            <a:r>
+              <a:rPr lang="es-ES" sz="2000" dirty="0">
+                <a:solidFill>
+                  <a:schemeClr val="tx1"/>
+                </a:solidFill>
+              </a:rPr>
+              <a:t> App</a:t>
+            </a:r>
           </a:p>
         </p:txBody>
       </p:sp>
@@ -4591,13 +4649,6 @@
   <p:clrMapOvr>
     <a:masterClrMapping/>
   </p:clrMapOvr>
-  <p:timing>
-    <p:tnLst>
-      <p:par>
-        <p:cTn xmlns:p14="http://schemas.microsoft.com/office/powerpoint/2010/main" id="1" dur="indefinite" restart="never" nodeType="tmRoot"/>
-      </p:par>
-    </p:tnLst>
-  </p:timing>
 </p:sld>
 </file>
 
@@ -4634,14 +4685,13 @@
           <a:lstStyle/>
           <a:p>
             <a:r>
-              <a:rPr lang="es-ES" dirty="0" err="1" smtClean="0"/>
+              <a:rPr lang="es-ES" dirty="0" err="1"/>
               <a:t>Frontend</a:t>
             </a:r>
             <a:r>
-              <a:rPr lang="es-ES" dirty="0" smtClean="0"/>
+              <a:rPr lang="es-ES" dirty="0"/>
               <a:t> Expuesto Públicamente</a:t>
             </a:r>
-            <a:endParaRPr lang="es-ES" dirty="0"/>
           </a:p>
         </p:txBody>
       </p:sp>
@@ -4797,42 +4847,37 @@
           <a:p>
             <a:pPr algn="ctr"/>
             <a:r>
-              <a:rPr lang="es-ES" sz="2000" dirty="0" err="1" smtClean="0">
+              <a:rPr lang="es-ES" sz="2000" dirty="0" err="1">
                 <a:solidFill>
                   <a:schemeClr val="tx1"/>
                 </a:solidFill>
               </a:rPr>
               <a:t>Guestbook</a:t>
-            </a:r>
-            <a:endParaRPr lang="es-ES" sz="2000" dirty="0" smtClean="0">
-              <a:solidFill>
-                <a:schemeClr val="tx1"/>
-              </a:solidFill>
-            </a:endParaRPr>
-          </a:p>
-          <a:p>
-            <a:pPr algn="ctr"/>
-            <a:r>
-              <a:rPr lang="es-ES" sz="2000" dirty="0" err="1" smtClean="0">
-                <a:solidFill>
-                  <a:schemeClr val="tx1"/>
-                </a:solidFill>
-              </a:rPr>
-              <a:t>Frontend</a:t>
-            </a:r>
-            <a:r>
-              <a:rPr lang="es-ES" sz="2000" dirty="0" smtClean="0">
-                <a:solidFill>
-                  <a:schemeClr val="tx1"/>
-                </a:solidFill>
-              </a:rPr>
-              <a:t> App</a:t>
             </a:r>
             <a:endParaRPr lang="es-ES" sz="2000" dirty="0">
               <a:solidFill>
                 <a:schemeClr val="tx1"/>
               </a:solidFill>
             </a:endParaRPr>
+          </a:p>
+          <a:p>
+            <a:pPr algn="ctr"/>
+            <a:r>
+              <a:rPr lang="es-ES" sz="2000" dirty="0" err="1">
+                <a:solidFill>
+                  <a:schemeClr val="tx1"/>
+                </a:solidFill>
+              </a:rPr>
+              <a:t>Frontend</a:t>
+            </a:r>
+            <a:r>
+              <a:rPr lang="es-ES" sz="2000" dirty="0">
+                <a:solidFill>
+                  <a:schemeClr val="tx1"/>
+                </a:solidFill>
+              </a:rPr>
+              <a:t> App</a:t>
+            </a:r>
           </a:p>
         </p:txBody>
       </p:sp>
@@ -4882,7 +4927,7 @@
           <a:p>
             <a:pPr algn="ctr"/>
             <a:r>
-              <a:rPr lang="es-ES" dirty="0" smtClean="0">
+              <a:rPr lang="es-ES" dirty="0">
                 <a:solidFill>
                   <a:srgbClr val="000000"/>
                 </a:solidFill>
@@ -4890,7 +4935,7 @@
               <a:t>[</a:t>
             </a:r>
             <a:r>
-              <a:rPr lang="es-ES" dirty="0" err="1" smtClean="0">
+              <a:rPr lang="es-ES" dirty="0" err="1">
                 <a:solidFill>
                   <a:srgbClr val="000000"/>
                 </a:solidFill>
@@ -4898,7 +4943,7 @@
               <a:t>Node</a:t>
             </a:r>
             <a:r>
-              <a:rPr lang="es-ES" dirty="0" smtClean="0">
+              <a:rPr lang="es-ES" dirty="0">
                 <a:solidFill>
                   <a:srgbClr val="000000"/>
                 </a:solidFill>
@@ -4906,7 +4951,7 @@
               <a:t> IP]:</a:t>
             </a:r>
             <a:r>
-              <a:rPr lang="is-IS" dirty="0" smtClean="0">
+              <a:rPr lang="is-IS" dirty="0">
                 <a:solidFill>
                   <a:srgbClr val="000000"/>
                 </a:solidFill>
@@ -4982,30 +5027,30 @@
           <a:p>
             <a:pPr algn="ctr"/>
             <a:r>
-              <a:rPr lang="es-ES" dirty="0" err="1" smtClean="0"/>
+              <a:rPr lang="es-ES" dirty="0" err="1"/>
               <a:t>Public</a:t>
             </a:r>
             <a:r>
-              <a:rPr lang="es-ES" dirty="0" smtClean="0"/>
+              <a:rPr lang="es-ES" dirty="0"/>
               <a:t> </a:t>
             </a:r>
             <a:r>
-              <a:rPr lang="es-ES" dirty="0" err="1" smtClean="0"/>
+              <a:rPr lang="es-ES" dirty="0" err="1"/>
               <a:t>Endpoint</a:t>
             </a:r>
             <a:r>
-              <a:rPr lang="es-ES" dirty="0" smtClean="0"/>
+              <a:rPr lang="es-ES" dirty="0"/>
               <a:t> and </a:t>
             </a:r>
             <a:br>
-              <a:rPr lang="es-ES" dirty="0" smtClean="0"/>
+              <a:rPr lang="es-ES" dirty="0"/>
             </a:br>
             <a:r>
-              <a:rPr lang="es-ES" dirty="0" smtClean="0"/>
+              <a:rPr lang="es-ES" dirty="0"/>
               <a:t>Load </a:t>
             </a:r>
             <a:r>
-              <a:rPr lang="es-ES" dirty="0" err="1" smtClean="0"/>
+              <a:rPr lang="es-ES" dirty="0" err="1"/>
               <a:t>Balancing</a:t>
             </a:r>
             <a:endParaRPr lang="es-ES" dirty="0"/>
@@ -5022,13 +5067,6 @@
   <p:clrMapOvr>
     <a:masterClrMapping/>
   </p:clrMapOvr>
-  <p:timing>
-    <p:tnLst>
-      <p:par>
-        <p:cTn xmlns:p14="http://schemas.microsoft.com/office/powerpoint/2010/main" id="1" dur="indefinite" restart="never" nodeType="tmRoot"/>
-      </p:par>
-    </p:tnLst>
-  </p:timing>
 </p:sld>
 </file>
 
@@ -5065,15 +5103,15 @@
           <a:lstStyle/>
           <a:p>
             <a:r>
-              <a:rPr lang="es-ES" dirty="0" err="1" smtClean="0"/>
+              <a:rPr lang="es-ES" dirty="0" err="1"/>
               <a:t>Redis</a:t>
             </a:r>
             <a:r>
-              <a:rPr lang="es-ES" dirty="0" smtClean="0"/>
+              <a:rPr lang="es-ES" dirty="0"/>
               <a:t> Master </a:t>
             </a:r>
             <a:r>
-              <a:rPr lang="es-ES" dirty="0" err="1" smtClean="0"/>
+              <a:rPr lang="es-ES" dirty="0" err="1"/>
               <a:t>Pod</a:t>
             </a:r>
             <a:endParaRPr lang="es-ES" dirty="0"/>
@@ -5232,42 +5270,37 @@
           <a:p>
             <a:pPr algn="ctr"/>
             <a:r>
-              <a:rPr lang="es-ES" sz="2000" dirty="0" err="1" smtClean="0">
+              <a:rPr lang="es-ES" sz="2000" dirty="0" err="1">
                 <a:solidFill>
                   <a:schemeClr val="tx1"/>
                 </a:solidFill>
               </a:rPr>
               <a:t>Guestbook</a:t>
-            </a:r>
-            <a:endParaRPr lang="es-ES" sz="2000" dirty="0" smtClean="0">
-              <a:solidFill>
-                <a:schemeClr val="tx1"/>
-              </a:solidFill>
-            </a:endParaRPr>
-          </a:p>
-          <a:p>
-            <a:pPr algn="ctr"/>
-            <a:r>
-              <a:rPr lang="es-ES" sz="2000" dirty="0" err="1" smtClean="0">
-                <a:solidFill>
-                  <a:schemeClr val="tx1"/>
-                </a:solidFill>
-              </a:rPr>
-              <a:t>Frontend</a:t>
-            </a:r>
-            <a:r>
-              <a:rPr lang="es-ES" sz="2000" dirty="0" smtClean="0">
-                <a:solidFill>
-                  <a:schemeClr val="tx1"/>
-                </a:solidFill>
-              </a:rPr>
-              <a:t> App</a:t>
             </a:r>
             <a:endParaRPr lang="es-ES" sz="2000" dirty="0">
               <a:solidFill>
                 <a:schemeClr val="tx1"/>
               </a:solidFill>
             </a:endParaRPr>
+          </a:p>
+          <a:p>
+            <a:pPr algn="ctr"/>
+            <a:r>
+              <a:rPr lang="es-ES" sz="2000" dirty="0" err="1">
+                <a:solidFill>
+                  <a:schemeClr val="tx1"/>
+                </a:solidFill>
+              </a:rPr>
+              <a:t>Frontend</a:t>
+            </a:r>
+            <a:r>
+              <a:rPr lang="es-ES" sz="2000" dirty="0">
+                <a:solidFill>
+                  <a:schemeClr val="tx1"/>
+                </a:solidFill>
+              </a:rPr>
+              <a:t> App</a:t>
+            </a:r>
           </a:p>
         </p:txBody>
       </p:sp>
@@ -5317,7 +5350,7 @@
           <a:p>
             <a:pPr algn="ctr"/>
             <a:r>
-              <a:rPr lang="es-ES" dirty="0" smtClean="0">
+              <a:rPr lang="es-ES" dirty="0">
                 <a:solidFill>
                   <a:srgbClr val="000000"/>
                 </a:solidFill>
@@ -5325,7 +5358,7 @@
               <a:t>[</a:t>
             </a:r>
             <a:r>
-              <a:rPr lang="es-ES" dirty="0" err="1" smtClean="0">
+              <a:rPr lang="es-ES" dirty="0" err="1">
                 <a:solidFill>
                   <a:srgbClr val="000000"/>
                 </a:solidFill>
@@ -5333,7 +5366,7 @@
               <a:t>Node</a:t>
             </a:r>
             <a:r>
-              <a:rPr lang="es-ES" dirty="0" smtClean="0">
+              <a:rPr lang="es-ES" dirty="0">
                 <a:solidFill>
                   <a:srgbClr val="000000"/>
                 </a:solidFill>
@@ -5341,7 +5374,7 @@
               <a:t> IP]:</a:t>
             </a:r>
             <a:r>
-              <a:rPr lang="is-IS" dirty="0" smtClean="0">
+              <a:rPr lang="is-IS" dirty="0">
                 <a:solidFill>
                   <a:srgbClr val="000000"/>
                 </a:solidFill>
@@ -5417,30 +5450,30 @@
           <a:p>
             <a:pPr algn="ctr"/>
             <a:r>
-              <a:rPr lang="es-ES" dirty="0" err="1" smtClean="0"/>
+              <a:rPr lang="es-ES" dirty="0" err="1"/>
               <a:t>Public</a:t>
             </a:r>
             <a:r>
-              <a:rPr lang="es-ES" dirty="0" smtClean="0"/>
+              <a:rPr lang="es-ES" dirty="0"/>
               <a:t> </a:t>
             </a:r>
             <a:r>
-              <a:rPr lang="es-ES" dirty="0" err="1" smtClean="0"/>
+              <a:rPr lang="es-ES" dirty="0" err="1"/>
               <a:t>Endpoint</a:t>
             </a:r>
             <a:r>
-              <a:rPr lang="es-ES" dirty="0" smtClean="0"/>
+              <a:rPr lang="es-ES" dirty="0"/>
               <a:t> and </a:t>
             </a:r>
             <a:br>
-              <a:rPr lang="es-ES" dirty="0" smtClean="0"/>
+              <a:rPr lang="es-ES" dirty="0"/>
             </a:br>
             <a:r>
-              <a:rPr lang="es-ES" dirty="0" smtClean="0"/>
+              <a:rPr lang="es-ES" dirty="0"/>
               <a:t>Load </a:t>
             </a:r>
             <a:r>
-              <a:rPr lang="es-ES" dirty="0" err="1" smtClean="0"/>
+              <a:rPr lang="es-ES" dirty="0" err="1"/>
               <a:t>Balancing</a:t>
             </a:r>
             <a:endParaRPr lang="es-ES" dirty="0"/>
@@ -5493,7 +5526,7 @@
           <a:p>
             <a:pPr algn="ctr"/>
             <a:r>
-              <a:rPr lang="es-ES" dirty="0" err="1" smtClean="0">
+              <a:rPr lang="es-ES" dirty="0" err="1">
                 <a:solidFill>
                   <a:schemeClr val="tx1"/>
                 </a:solidFill>
@@ -5501,18 +5534,13 @@
               <a:t>Redis</a:t>
             </a:r>
             <a:r>
-              <a:rPr lang="es-ES" dirty="0" smtClean="0">
+              <a:rPr lang="es-ES" dirty="0">
                 <a:solidFill>
                   <a:schemeClr val="tx1"/>
                 </a:solidFill>
               </a:rPr>
               <a:t> Master</a:t>
             </a:r>
-            <a:endParaRPr lang="es-ES" dirty="0">
-              <a:solidFill>
-                <a:schemeClr val="tx1"/>
-              </a:solidFill>
-            </a:endParaRPr>
           </a:p>
         </p:txBody>
       </p:sp>
@@ -5610,13 +5638,6 @@
   <p:clrMapOvr>
     <a:masterClrMapping/>
   </p:clrMapOvr>
-  <p:timing>
-    <p:tnLst>
-      <p:par>
-        <p:cTn xmlns:p14="http://schemas.microsoft.com/office/powerpoint/2010/main" id="1" dur="indefinite" restart="never" nodeType="tmRoot"/>
-      </p:par>
-    </p:tnLst>
-  </p:timing>
 </p:sld>
 </file>
 
@@ -5653,14 +5674,13 @@
           <a:lstStyle/>
           <a:p>
             <a:r>
-              <a:rPr lang="es-ES" dirty="0" err="1" smtClean="0"/>
+              <a:rPr lang="es-ES" dirty="0" err="1"/>
               <a:t>Redis</a:t>
             </a:r>
             <a:r>
-              <a:rPr lang="es-ES" dirty="0" smtClean="0"/>
+              <a:rPr lang="es-ES" dirty="0"/>
               <a:t> Master</a:t>
             </a:r>
-            <a:endParaRPr lang="es-ES" dirty="0"/>
           </a:p>
         </p:txBody>
       </p:sp>
@@ -5816,42 +5836,37 @@
           <a:p>
             <a:pPr algn="ctr"/>
             <a:r>
-              <a:rPr lang="es-ES" sz="2000" dirty="0" err="1" smtClean="0">
+              <a:rPr lang="es-ES" sz="2000" dirty="0" err="1">
                 <a:solidFill>
                   <a:schemeClr val="tx1"/>
                 </a:solidFill>
               </a:rPr>
               <a:t>Guestbook</a:t>
-            </a:r>
-            <a:endParaRPr lang="es-ES" sz="2000" dirty="0" smtClean="0">
-              <a:solidFill>
-                <a:schemeClr val="tx1"/>
-              </a:solidFill>
-            </a:endParaRPr>
-          </a:p>
-          <a:p>
-            <a:pPr algn="ctr"/>
-            <a:r>
-              <a:rPr lang="es-ES" sz="2000" dirty="0" err="1" smtClean="0">
-                <a:solidFill>
-                  <a:schemeClr val="tx1"/>
-                </a:solidFill>
-              </a:rPr>
-              <a:t>Frontend</a:t>
-            </a:r>
-            <a:r>
-              <a:rPr lang="es-ES" sz="2000" dirty="0" smtClean="0">
-                <a:solidFill>
-                  <a:schemeClr val="tx1"/>
-                </a:solidFill>
-              </a:rPr>
-              <a:t> App</a:t>
             </a:r>
             <a:endParaRPr lang="es-ES" sz="2000" dirty="0">
               <a:solidFill>
                 <a:schemeClr val="tx1"/>
               </a:solidFill>
             </a:endParaRPr>
+          </a:p>
+          <a:p>
+            <a:pPr algn="ctr"/>
+            <a:r>
+              <a:rPr lang="es-ES" sz="2000" dirty="0" err="1">
+                <a:solidFill>
+                  <a:schemeClr val="tx1"/>
+                </a:solidFill>
+              </a:rPr>
+              <a:t>Frontend</a:t>
+            </a:r>
+            <a:r>
+              <a:rPr lang="es-ES" sz="2000" dirty="0">
+                <a:solidFill>
+                  <a:schemeClr val="tx1"/>
+                </a:solidFill>
+              </a:rPr>
+              <a:t> App</a:t>
+            </a:r>
           </a:p>
         </p:txBody>
       </p:sp>
@@ -5901,7 +5916,7 @@
           <a:p>
             <a:pPr algn="ctr"/>
             <a:r>
-              <a:rPr lang="es-ES" dirty="0" smtClean="0">
+              <a:rPr lang="es-ES" dirty="0">
                 <a:solidFill>
                   <a:srgbClr val="000000"/>
                 </a:solidFill>
@@ -5909,7 +5924,7 @@
               <a:t>[</a:t>
             </a:r>
             <a:r>
-              <a:rPr lang="es-ES" dirty="0" err="1" smtClean="0">
+              <a:rPr lang="es-ES" dirty="0" err="1">
                 <a:solidFill>
                   <a:srgbClr val="000000"/>
                 </a:solidFill>
@@ -5917,7 +5932,7 @@
               <a:t>Node</a:t>
             </a:r>
             <a:r>
-              <a:rPr lang="es-ES" dirty="0" smtClean="0">
+              <a:rPr lang="es-ES" dirty="0">
                 <a:solidFill>
                   <a:srgbClr val="000000"/>
                 </a:solidFill>
@@ -5925,7 +5940,7 @@
               <a:t> IP]:</a:t>
             </a:r>
             <a:r>
-              <a:rPr lang="is-IS" dirty="0" smtClean="0">
+              <a:rPr lang="is-IS" dirty="0">
                 <a:solidFill>
                   <a:srgbClr val="000000"/>
                 </a:solidFill>
@@ -6001,30 +6016,30 @@
           <a:p>
             <a:pPr algn="ctr"/>
             <a:r>
-              <a:rPr lang="es-ES" dirty="0" err="1" smtClean="0"/>
+              <a:rPr lang="es-ES" dirty="0" err="1"/>
               <a:t>Public</a:t>
             </a:r>
             <a:r>
-              <a:rPr lang="es-ES" dirty="0" smtClean="0"/>
+              <a:rPr lang="es-ES" dirty="0"/>
               <a:t> </a:t>
             </a:r>
             <a:r>
-              <a:rPr lang="es-ES" dirty="0" err="1" smtClean="0"/>
+              <a:rPr lang="es-ES" dirty="0" err="1"/>
               <a:t>Endpoint</a:t>
             </a:r>
             <a:r>
-              <a:rPr lang="es-ES" dirty="0" smtClean="0"/>
+              <a:rPr lang="es-ES" dirty="0"/>
               <a:t> and </a:t>
             </a:r>
             <a:br>
-              <a:rPr lang="es-ES" dirty="0" smtClean="0"/>
+              <a:rPr lang="es-ES" dirty="0"/>
             </a:br>
             <a:r>
-              <a:rPr lang="es-ES" dirty="0" smtClean="0"/>
+              <a:rPr lang="es-ES" dirty="0"/>
               <a:t>Load </a:t>
             </a:r>
             <a:r>
-              <a:rPr lang="es-ES" dirty="0" err="1" smtClean="0"/>
+              <a:rPr lang="es-ES" dirty="0" err="1"/>
               <a:t>Balancing</a:t>
             </a:r>
             <a:endParaRPr lang="es-ES" dirty="0"/>
@@ -6077,7 +6092,7 @@
           <a:p>
             <a:pPr algn="ctr"/>
             <a:r>
-              <a:rPr lang="es-ES" dirty="0" err="1" smtClean="0">
+              <a:rPr lang="es-ES" dirty="0" err="1">
                 <a:solidFill>
                   <a:schemeClr val="tx1"/>
                 </a:solidFill>
@@ -6085,18 +6100,13 @@
               <a:t>Redis</a:t>
             </a:r>
             <a:r>
-              <a:rPr lang="es-ES" dirty="0" smtClean="0">
+              <a:rPr lang="es-ES" dirty="0">
                 <a:solidFill>
                   <a:schemeClr val="tx1"/>
                 </a:solidFill>
               </a:rPr>
               <a:t> Master</a:t>
             </a:r>
-            <a:endParaRPr lang="es-ES" dirty="0">
-              <a:solidFill>
-                <a:schemeClr val="tx1"/>
-              </a:solidFill>
-            </a:endParaRPr>
           </a:p>
         </p:txBody>
       </p:sp>
@@ -6146,7 +6156,7 @@
           <a:p>
             <a:pPr algn="ctr"/>
             <a:r>
-              <a:rPr lang="es-ES" dirty="0" err="1" smtClean="0">
+              <a:rPr lang="es-ES" dirty="0" err="1">
                 <a:solidFill>
                   <a:srgbClr val="000000"/>
                 </a:solidFill>
@@ -6154,7 +6164,7 @@
               <a:t>redis</a:t>
             </a:r>
             <a:r>
-              <a:rPr lang="es-ES" dirty="0" smtClean="0">
+              <a:rPr lang="es-ES" dirty="0">
                 <a:solidFill>
                   <a:srgbClr val="000000"/>
                 </a:solidFill>
@@ -6162,7 +6172,7 @@
               <a:t>-master:</a:t>
             </a:r>
             <a:r>
-              <a:rPr lang="is-IS" dirty="0" smtClean="0">
+              <a:rPr lang="is-IS" dirty="0">
                 <a:solidFill>
                   <a:srgbClr val="000000"/>
                 </a:solidFill>
@@ -6261,13 +6271,6 @@
   <p:clrMapOvr>
     <a:masterClrMapping/>
   </p:clrMapOvr>
-  <p:timing>
-    <p:tnLst>
-      <p:par>
-        <p:cTn xmlns:p14="http://schemas.microsoft.com/office/powerpoint/2010/main" id="1" dur="indefinite" restart="never" nodeType="tmRoot"/>
-      </p:par>
-    </p:tnLst>
-  </p:timing>
 </p:sld>
 </file>
 
@@ -6304,15 +6307,15 @@
           <a:lstStyle/>
           <a:p>
             <a:r>
-              <a:rPr lang="es-ES" dirty="0" err="1" smtClean="0"/>
+              <a:rPr lang="es-ES" dirty="0" err="1"/>
               <a:t>Redis</a:t>
             </a:r>
             <a:r>
-              <a:rPr lang="es-ES" dirty="0" smtClean="0"/>
+              <a:rPr lang="es-ES" dirty="0"/>
               <a:t> </a:t>
             </a:r>
             <a:r>
-              <a:rPr lang="es-ES" dirty="0" err="1" smtClean="0"/>
+              <a:rPr lang="es-ES" dirty="0" err="1"/>
               <a:t>Slaves</a:t>
             </a:r>
             <a:endParaRPr lang="es-ES" dirty="0"/>
@@ -6471,42 +6474,37 @@
           <a:p>
             <a:pPr algn="ctr"/>
             <a:r>
-              <a:rPr lang="es-ES" sz="2000" dirty="0" err="1" smtClean="0">
+              <a:rPr lang="es-ES" sz="2000" dirty="0" err="1">
                 <a:solidFill>
                   <a:schemeClr val="tx1"/>
                 </a:solidFill>
               </a:rPr>
               <a:t>Guestbook</a:t>
-            </a:r>
-            <a:endParaRPr lang="es-ES" sz="2000" dirty="0" smtClean="0">
-              <a:solidFill>
-                <a:schemeClr val="tx1"/>
-              </a:solidFill>
-            </a:endParaRPr>
-          </a:p>
-          <a:p>
-            <a:pPr algn="ctr"/>
-            <a:r>
-              <a:rPr lang="es-ES" sz="2000" dirty="0" err="1" smtClean="0">
-                <a:solidFill>
-                  <a:schemeClr val="tx1"/>
-                </a:solidFill>
-              </a:rPr>
-              <a:t>Frontend</a:t>
-            </a:r>
-            <a:r>
-              <a:rPr lang="es-ES" sz="2000" dirty="0" smtClean="0">
-                <a:solidFill>
-                  <a:schemeClr val="tx1"/>
-                </a:solidFill>
-              </a:rPr>
-              <a:t> App</a:t>
             </a:r>
             <a:endParaRPr lang="es-ES" sz="2000" dirty="0">
               <a:solidFill>
                 <a:schemeClr val="tx1"/>
               </a:solidFill>
             </a:endParaRPr>
+          </a:p>
+          <a:p>
+            <a:pPr algn="ctr"/>
+            <a:r>
+              <a:rPr lang="es-ES" sz="2000" dirty="0" err="1">
+                <a:solidFill>
+                  <a:schemeClr val="tx1"/>
+                </a:solidFill>
+              </a:rPr>
+              <a:t>Frontend</a:t>
+            </a:r>
+            <a:r>
+              <a:rPr lang="es-ES" sz="2000" dirty="0">
+                <a:solidFill>
+                  <a:schemeClr val="tx1"/>
+                </a:solidFill>
+              </a:rPr>
+              <a:t> App</a:t>
+            </a:r>
           </a:p>
         </p:txBody>
       </p:sp>
@@ -6556,7 +6554,7 @@
           <a:p>
             <a:pPr algn="ctr"/>
             <a:r>
-              <a:rPr lang="es-ES" dirty="0" smtClean="0">
+              <a:rPr lang="es-ES" dirty="0">
                 <a:solidFill>
                   <a:srgbClr val="000000"/>
                 </a:solidFill>
@@ -6564,7 +6562,7 @@
               <a:t>[</a:t>
             </a:r>
             <a:r>
-              <a:rPr lang="es-ES" dirty="0" err="1" smtClean="0">
+              <a:rPr lang="es-ES" dirty="0" err="1">
                 <a:solidFill>
                   <a:srgbClr val="000000"/>
                 </a:solidFill>
@@ -6572,7 +6570,7 @@
               <a:t>Node</a:t>
             </a:r>
             <a:r>
-              <a:rPr lang="es-ES" dirty="0" smtClean="0">
+              <a:rPr lang="es-ES" dirty="0">
                 <a:solidFill>
                   <a:srgbClr val="000000"/>
                 </a:solidFill>
@@ -6580,7 +6578,7 @@
               <a:t> IP]:</a:t>
             </a:r>
             <a:r>
-              <a:rPr lang="is-IS" dirty="0" smtClean="0">
+              <a:rPr lang="is-IS" dirty="0">
                 <a:solidFill>
                   <a:srgbClr val="000000"/>
                 </a:solidFill>
@@ -6656,30 +6654,30 @@
           <a:p>
             <a:pPr algn="ctr"/>
             <a:r>
-              <a:rPr lang="es-ES" dirty="0" err="1" smtClean="0"/>
+              <a:rPr lang="es-ES" dirty="0" err="1"/>
               <a:t>Public</a:t>
             </a:r>
             <a:r>
-              <a:rPr lang="es-ES" dirty="0" smtClean="0"/>
+              <a:rPr lang="es-ES" dirty="0"/>
               <a:t> </a:t>
             </a:r>
             <a:r>
-              <a:rPr lang="es-ES" dirty="0" err="1" smtClean="0"/>
+              <a:rPr lang="es-ES" dirty="0" err="1"/>
               <a:t>Endpoint</a:t>
             </a:r>
             <a:r>
-              <a:rPr lang="es-ES" dirty="0" smtClean="0"/>
+              <a:rPr lang="es-ES" dirty="0"/>
               <a:t> and </a:t>
             </a:r>
             <a:br>
-              <a:rPr lang="es-ES" dirty="0" smtClean="0"/>
+              <a:rPr lang="es-ES" dirty="0"/>
             </a:br>
             <a:r>
-              <a:rPr lang="es-ES" dirty="0" smtClean="0"/>
+              <a:rPr lang="es-ES" dirty="0"/>
               <a:t>Load </a:t>
             </a:r>
             <a:r>
-              <a:rPr lang="es-ES" dirty="0" err="1" smtClean="0"/>
+              <a:rPr lang="es-ES" dirty="0" err="1"/>
               <a:t>Balancing</a:t>
             </a:r>
             <a:endParaRPr lang="es-ES" dirty="0"/>
@@ -6732,7 +6730,7 @@
           <a:p>
             <a:pPr algn="ctr"/>
             <a:r>
-              <a:rPr lang="es-ES" dirty="0" err="1" smtClean="0">
+              <a:rPr lang="es-ES" dirty="0" err="1">
                 <a:solidFill>
                   <a:schemeClr val="tx1"/>
                 </a:solidFill>
@@ -6740,18 +6738,13 @@
               <a:t>Redis</a:t>
             </a:r>
             <a:r>
-              <a:rPr lang="es-ES" dirty="0" smtClean="0">
+              <a:rPr lang="es-ES" dirty="0">
                 <a:solidFill>
                   <a:schemeClr val="tx1"/>
                 </a:solidFill>
               </a:rPr>
               <a:t> Master</a:t>
             </a:r>
-            <a:endParaRPr lang="es-ES" dirty="0">
-              <a:solidFill>
-                <a:schemeClr val="tx1"/>
-              </a:solidFill>
-            </a:endParaRPr>
           </a:p>
         </p:txBody>
       </p:sp>
@@ -6801,7 +6794,7 @@
           <a:p>
             <a:pPr algn="ctr"/>
             <a:r>
-              <a:rPr lang="es-ES" dirty="0" err="1" smtClean="0">
+              <a:rPr lang="es-ES" dirty="0" err="1">
                 <a:solidFill>
                   <a:srgbClr val="000000"/>
                 </a:solidFill>
@@ -6809,7 +6802,7 @@
               <a:t>redis</a:t>
             </a:r>
             <a:r>
-              <a:rPr lang="es-ES" dirty="0" smtClean="0">
+              <a:rPr lang="es-ES" dirty="0">
                 <a:solidFill>
                   <a:srgbClr val="000000"/>
                 </a:solidFill>
@@ -6817,7 +6810,7 @@
               <a:t>-master:</a:t>
             </a:r>
             <a:r>
-              <a:rPr lang="is-IS" dirty="0" smtClean="0">
+              <a:rPr lang="is-IS" dirty="0">
                 <a:solidFill>
                   <a:srgbClr val="000000"/>
                 </a:solidFill>
@@ -6878,7 +6871,7 @@
           <a:p>
             <a:pPr algn="ctr"/>
             <a:r>
-              <a:rPr lang="es-ES" dirty="0" err="1" smtClean="0">
+              <a:rPr lang="es-ES" dirty="0" err="1">
                 <a:solidFill>
                   <a:srgbClr val="000000"/>
                 </a:solidFill>
@@ -6886,7 +6879,7 @@
               <a:t>redis-slave</a:t>
             </a:r>
             <a:r>
-              <a:rPr lang="es-ES" dirty="0" smtClean="0">
+              <a:rPr lang="es-ES" dirty="0">
                 <a:solidFill>
                   <a:srgbClr val="000000"/>
                 </a:solidFill>
@@ -6894,7 +6887,7 @@
               <a:t>:</a:t>
             </a:r>
             <a:r>
-              <a:rPr lang="is-IS" dirty="0" smtClean="0">
+              <a:rPr lang="is-IS" dirty="0">
                 <a:solidFill>
                   <a:srgbClr val="000000"/>
                 </a:solidFill>
@@ -7008,7 +7001,7 @@
           <a:p>
             <a:pPr algn="ctr"/>
             <a:r>
-              <a:rPr lang="es-ES" dirty="0" err="1" smtClean="0">
+              <a:rPr lang="es-ES" dirty="0" err="1">
                 <a:solidFill>
                   <a:schemeClr val="tx1"/>
                 </a:solidFill>
@@ -7016,7 +7009,7 @@
               <a:t>Redis</a:t>
             </a:r>
             <a:r>
-              <a:rPr lang="es-ES" dirty="0" smtClean="0">
+              <a:rPr lang="es-ES" dirty="0">
                 <a:solidFill>
                   <a:schemeClr val="tx1"/>
                 </a:solidFill>
@@ -7024,25 +7017,20 @@
               <a:t> </a:t>
             </a:r>
             <a:br>
-              <a:rPr lang="es-ES" dirty="0" smtClean="0">
+              <a:rPr lang="es-ES" dirty="0">
                 <a:solidFill>
                   <a:schemeClr val="tx1"/>
                 </a:solidFill>
               </a:rPr>
             </a:br>
             <a:r>
-              <a:rPr lang="es-ES" dirty="0" smtClean="0">
+              <a:rPr lang="es-ES" dirty="0">
                 <a:solidFill>
                   <a:schemeClr val="tx1"/>
                 </a:solidFill>
               </a:rPr>
               <a:t>Slave</a:t>
             </a:r>
-            <a:endParaRPr lang="es-ES" dirty="0">
-              <a:solidFill>
-                <a:schemeClr val="tx1"/>
-              </a:solidFill>
-            </a:endParaRPr>
           </a:p>
         </p:txBody>
       </p:sp>
@@ -7241,13 +7229,6 @@
   <p:clrMapOvr>
     <a:masterClrMapping/>
   </p:clrMapOvr>
-  <p:timing>
-    <p:tnLst>
-      <p:par>
-        <p:cTn xmlns:p14="http://schemas.microsoft.com/office/powerpoint/2010/main" id="1" dur="indefinite" restart="never" nodeType="tmRoot"/>
-      </p:par>
-    </p:tnLst>
-  </p:timing>
 </p:sld>
 </file>
 

--- a/demos/guestbook/Kubernetes Demo.pptx
+++ b/demos/guestbook/Kubernetes Demo.pptx
@@ -535,6 +535,18 @@
             </a:r>
             <a:endParaRPr lang="en-US" dirty="0"/>
           </a:p>
+          <a:p>
+            <a:endParaRPr lang="en-US" dirty="0"/>
+          </a:p>
+          <a:p>
+            <a:r>
+              <a:rPr lang="en-US" dirty="0">
+                <a:hlinkClick r:id="rId4"/>
+              </a:rPr>
+              <a:t>https://github.com/kubernetes/examples/tree/master/guestbook</a:t>
+            </a:r>
+            <a:endParaRPr lang="en-US" dirty="0"/>
+          </a:p>
         </p:txBody>
       </p:sp>
       <p:sp>
@@ -564,6 +576,311 @@
     <p:extLst>
       <p:ext uri="{BB962C8B-B14F-4D97-AF65-F5344CB8AC3E}">
         <p14:creationId xmlns:p14="http://schemas.microsoft.com/office/powerpoint/2010/main" val="558406282"/>
+      </p:ext>
+    </p:extLst>
+  </p:cSld>
+  <p:clrMapOvr>
+    <a:masterClrMapping/>
+  </p:clrMapOvr>
+</p:notes>
+</file>
+
+<file path=ppt/notesSlides/notesSlide2.xml><?xml version="1.0" encoding="utf-8"?>
+<p:notes xmlns:a="http://schemas.openxmlformats.org/drawingml/2006/main" xmlns:r="http://schemas.openxmlformats.org/officeDocument/2006/relationships" xmlns:p="http://schemas.openxmlformats.org/presentationml/2006/main">
+  <p:cSld>
+    <p:spTree>
+      <p:nvGrpSpPr>
+        <p:cNvPr id="1" name=""/>
+        <p:cNvGrpSpPr/>
+        <p:nvPr/>
+      </p:nvGrpSpPr>
+      <p:grpSpPr>
+        <a:xfrm>
+          <a:off x="0" y="0"/>
+          <a:ext cx="0" cy="0"/>
+          <a:chOff x="0" y="0"/>
+          <a:chExt cx="0" cy="0"/>
+        </a:xfrm>
+      </p:grpSpPr>
+      <p:sp>
+        <p:nvSpPr>
+          <p:cNvPr id="2" name="Slide Image Placeholder 1"/>
+          <p:cNvSpPr>
+            <a:spLocks noGrp="1" noRot="1" noChangeAspect="1"/>
+          </p:cNvSpPr>
+          <p:nvPr>
+            <p:ph type="sldImg"/>
+          </p:nvPr>
+        </p:nvSpPr>
+        <p:spPr/>
+      </p:sp>
+      <p:sp>
+        <p:nvSpPr>
+          <p:cNvPr id="3" name="Notes Placeholder 2"/>
+          <p:cNvSpPr>
+            <a:spLocks noGrp="1"/>
+          </p:cNvSpPr>
+          <p:nvPr>
+            <p:ph type="body" idx="1"/>
+          </p:nvPr>
+        </p:nvSpPr>
+        <p:spPr/>
+        <p:txBody>
+          <a:bodyPr/>
+          <a:lstStyle/>
+          <a:p>
+            <a:pPr marL="0" marR="0" lvl="0" indent="0" algn="l" defTabSz="457200" rtl="0" eaLnBrk="1" fontAlgn="auto" latinLnBrk="0" hangingPunct="1">
+              <a:lnSpc>
+                <a:spcPct val="100000"/>
+              </a:lnSpc>
+              <a:spcBef>
+                <a:spcPts val="0"/>
+              </a:spcBef>
+              <a:spcAft>
+                <a:spcPts val="0"/>
+              </a:spcAft>
+              <a:buClrTx/>
+              <a:buSzTx/>
+              <a:buFontTx/>
+              <a:buNone/>
+              <a:tabLst/>
+              <a:defRPr/>
+            </a:pPr>
+            <a:r>
+              <a:rPr lang="en-US" sz="1200" kern="1200" dirty="0">
+                <a:solidFill>
+                  <a:schemeClr val="tx1"/>
+                </a:solidFill>
+                <a:effectLst/>
+                <a:latin typeface="+mn-lt"/>
+                <a:ea typeface="+mn-ea"/>
+                <a:cs typeface="+mn-cs"/>
+                <a:hlinkClick r:id="rId3"/>
+              </a:rPr>
+              <a:t>http://blog.arungupta.me/kubernetes-namespaces-qos-cluster/</a:t>
+            </a:r>
+            <a:endParaRPr lang="en-US" sz="1200" kern="1200" dirty="0">
+              <a:solidFill>
+                <a:schemeClr val="tx1"/>
+              </a:solidFill>
+              <a:effectLst/>
+              <a:latin typeface="+mn-lt"/>
+              <a:ea typeface="+mn-ea"/>
+              <a:cs typeface="+mn-cs"/>
+            </a:endParaRPr>
+          </a:p>
+          <a:p>
+            <a:endParaRPr lang="en-US" dirty="0"/>
+          </a:p>
+        </p:txBody>
+      </p:sp>
+      <p:sp>
+        <p:nvSpPr>
+          <p:cNvPr id="4" name="Slide Number Placeholder 3"/>
+          <p:cNvSpPr>
+            <a:spLocks noGrp="1"/>
+          </p:cNvSpPr>
+          <p:nvPr>
+            <p:ph type="sldNum" sz="quarter" idx="5"/>
+          </p:nvPr>
+        </p:nvSpPr>
+        <p:spPr/>
+        <p:txBody>
+          <a:bodyPr/>
+          <a:lstStyle/>
+          <a:p>
+            <a:fld id="{78C3A030-F2FB-F243-8174-E9FC6DBDC2F9}" type="slidenum">
+              <a:rPr lang="es-ES" smtClean="0"/>
+              <a:t>3</a:t>
+            </a:fld>
+            <a:endParaRPr lang="es-ES"/>
+          </a:p>
+        </p:txBody>
+      </p:sp>
+    </p:spTree>
+    <p:extLst>
+      <p:ext uri="{BB962C8B-B14F-4D97-AF65-F5344CB8AC3E}">
+        <p14:creationId xmlns:p14="http://schemas.microsoft.com/office/powerpoint/2010/main" val="839693979"/>
+      </p:ext>
+    </p:extLst>
+  </p:cSld>
+  <p:clrMapOvr>
+    <a:masterClrMapping/>
+  </p:clrMapOvr>
+</p:notes>
+</file>
+
+<file path=ppt/notesSlides/notesSlide3.xml><?xml version="1.0" encoding="utf-8"?>
+<p:notes xmlns:a="http://schemas.openxmlformats.org/drawingml/2006/main" xmlns:r="http://schemas.openxmlformats.org/officeDocument/2006/relationships" xmlns:p="http://schemas.openxmlformats.org/presentationml/2006/main">
+  <p:cSld>
+    <p:spTree>
+      <p:nvGrpSpPr>
+        <p:cNvPr id="1" name=""/>
+        <p:cNvGrpSpPr/>
+        <p:nvPr/>
+      </p:nvGrpSpPr>
+      <p:grpSpPr>
+        <a:xfrm>
+          <a:off x="0" y="0"/>
+          <a:ext cx="0" cy="0"/>
+          <a:chOff x="0" y="0"/>
+          <a:chExt cx="0" cy="0"/>
+        </a:xfrm>
+      </p:grpSpPr>
+      <p:sp>
+        <p:nvSpPr>
+          <p:cNvPr id="2" name="Slide Image Placeholder 1"/>
+          <p:cNvSpPr>
+            <a:spLocks noGrp="1" noRot="1" noChangeAspect="1"/>
+          </p:cNvSpPr>
+          <p:nvPr>
+            <p:ph type="sldImg"/>
+          </p:nvPr>
+        </p:nvSpPr>
+        <p:spPr/>
+      </p:sp>
+      <p:sp>
+        <p:nvSpPr>
+          <p:cNvPr id="3" name="Notes Placeholder 2"/>
+          <p:cNvSpPr>
+            <a:spLocks noGrp="1"/>
+          </p:cNvSpPr>
+          <p:nvPr>
+            <p:ph type="body" idx="1"/>
+          </p:nvPr>
+        </p:nvSpPr>
+        <p:spPr/>
+        <p:txBody>
+          <a:bodyPr/>
+          <a:lstStyle/>
+          <a:p>
+            <a:r>
+              <a:rPr lang="en-US" dirty="0">
+                <a:hlinkClick r:id="rId3"/>
+              </a:rPr>
+              <a:t>https://levelup.gitconnected.com/kubernetes-autoscaling-101-cluster-autoscaler-horizontal-pod-autoscaler-and-vertical-pod-2a441d9ad231</a:t>
+            </a:r>
+            <a:endParaRPr lang="en-US" dirty="0"/>
+          </a:p>
+        </p:txBody>
+      </p:sp>
+      <p:sp>
+        <p:nvSpPr>
+          <p:cNvPr id="4" name="Slide Number Placeholder 3"/>
+          <p:cNvSpPr>
+            <a:spLocks noGrp="1"/>
+          </p:cNvSpPr>
+          <p:nvPr>
+            <p:ph type="sldNum" sz="quarter" idx="5"/>
+          </p:nvPr>
+        </p:nvSpPr>
+        <p:spPr/>
+        <p:txBody>
+          <a:bodyPr/>
+          <a:lstStyle/>
+          <a:p>
+            <a:fld id="{78C3A030-F2FB-F243-8174-E9FC6DBDC2F9}" type="slidenum">
+              <a:rPr lang="es-ES" smtClean="0"/>
+              <a:t>4</a:t>
+            </a:fld>
+            <a:endParaRPr lang="es-ES"/>
+          </a:p>
+        </p:txBody>
+      </p:sp>
+    </p:spTree>
+    <p:extLst>
+      <p:ext uri="{BB962C8B-B14F-4D97-AF65-F5344CB8AC3E}">
+        <p14:creationId xmlns:p14="http://schemas.microsoft.com/office/powerpoint/2010/main" val="3353856790"/>
+      </p:ext>
+    </p:extLst>
+  </p:cSld>
+  <p:clrMapOvr>
+    <a:masterClrMapping/>
+  </p:clrMapOvr>
+</p:notes>
+</file>
+
+<file path=ppt/notesSlides/notesSlide4.xml><?xml version="1.0" encoding="utf-8"?>
+<p:notes xmlns:a="http://schemas.openxmlformats.org/drawingml/2006/main" xmlns:r="http://schemas.openxmlformats.org/officeDocument/2006/relationships" xmlns:p="http://schemas.openxmlformats.org/presentationml/2006/main">
+  <p:cSld>
+    <p:spTree>
+      <p:nvGrpSpPr>
+        <p:cNvPr id="1" name=""/>
+        <p:cNvGrpSpPr/>
+        <p:nvPr/>
+      </p:nvGrpSpPr>
+      <p:grpSpPr>
+        <a:xfrm>
+          <a:off x="0" y="0"/>
+          <a:ext cx="0" cy="0"/>
+          <a:chOff x="0" y="0"/>
+          <a:chExt cx="0" cy="0"/>
+        </a:xfrm>
+      </p:grpSpPr>
+      <p:sp>
+        <p:nvSpPr>
+          <p:cNvPr id="2" name="Slide Image Placeholder 1"/>
+          <p:cNvSpPr>
+            <a:spLocks noGrp="1" noRot="1" noChangeAspect="1"/>
+          </p:cNvSpPr>
+          <p:nvPr>
+            <p:ph type="sldImg"/>
+          </p:nvPr>
+        </p:nvSpPr>
+        <p:spPr/>
+      </p:sp>
+      <p:sp>
+        <p:nvSpPr>
+          <p:cNvPr id="3" name="Notes Placeholder 2"/>
+          <p:cNvSpPr>
+            <a:spLocks noGrp="1"/>
+          </p:cNvSpPr>
+          <p:nvPr>
+            <p:ph type="body" idx="1"/>
+          </p:nvPr>
+        </p:nvSpPr>
+        <p:spPr/>
+        <p:txBody>
+          <a:bodyPr/>
+          <a:lstStyle/>
+          <a:p>
+            <a:r>
+              <a:rPr lang="en-US" dirty="0">
+                <a:hlinkClick r:id="rId3"/>
+              </a:rPr>
+              <a:t>https://medium.com/google-cloud/kubernetes-nodeport-vs-loadbalancer-vs-ingress-when-should-i-use-what-922f010849e0</a:t>
+            </a:r>
+            <a:endParaRPr lang="en-US" dirty="0"/>
+          </a:p>
+        </p:txBody>
+      </p:sp>
+      <p:sp>
+        <p:nvSpPr>
+          <p:cNvPr id="4" name="Slide Number Placeholder 3"/>
+          <p:cNvSpPr>
+            <a:spLocks noGrp="1"/>
+          </p:cNvSpPr>
+          <p:nvPr>
+            <p:ph type="sldNum" sz="quarter" idx="5"/>
+          </p:nvPr>
+        </p:nvSpPr>
+        <p:spPr/>
+        <p:txBody>
+          <a:bodyPr/>
+          <a:lstStyle/>
+          <a:p>
+            <a:fld id="{78C3A030-F2FB-F243-8174-E9FC6DBDC2F9}" type="slidenum">
+              <a:rPr lang="es-ES" smtClean="0"/>
+              <a:t>5</a:t>
+            </a:fld>
+            <a:endParaRPr lang="es-ES"/>
+          </a:p>
+        </p:txBody>
+      </p:sp>
+    </p:spTree>
+    <p:extLst>
+      <p:ext uri="{BB962C8B-B14F-4D97-AF65-F5344CB8AC3E}">
+        <p14:creationId xmlns:p14="http://schemas.microsoft.com/office/powerpoint/2010/main" val="1980163121"/>
       </p:ext>
     </p:extLst>
   </p:cSld>
